--- a/Information Retrieval - Assingments/Poster Session/presentation_template.pptx
+++ b/Information Retrieval - Assingments/Poster Session/presentation_template.pptx
@@ -27425,22 +27425,21 @@
           </p:nvPr>
         </p:nvPicPr>
         <p:blipFill>
-          <a:blip r:embed="rId2">
+          <a:blip r:embed="rId2" cstate="print">
             <a:extLst>
               <a:ext uri="{28A0092B-C50C-407E-A947-70E740481C1C}">
                 <a14:useLocalDpi xmlns:a14="http://schemas.microsoft.com/office/drawing/2010/main" val="0"/>
               </a:ext>
             </a:extLst>
           </a:blip>
-          <a:srcRect l="19756" r="19756"/>
           <a:stretch>
             <a:fillRect/>
           </a:stretch>
         </p:blipFill>
         <p:spPr>
           <a:xfrm>
-            <a:off x="1264023" y="14221792"/>
-            <a:ext cx="8043314" cy="5764293"/>
+            <a:off x="1225298" y="15983688"/>
+            <a:ext cx="8043314" cy="3854728"/>
           </a:xfrm>
         </p:spPr>
       </p:pic>
@@ -27477,65 +27476,342 @@
           </a:p>
         </p:txBody>
       </p:sp>
-      <p:sp>
-        <p:nvSpPr>
-          <p:cNvPr id="5" name="Text Placeholder 4">
-            <a:extLst>
-              <a:ext uri="{FF2B5EF4-FFF2-40B4-BE49-F238E27FC236}">
-                <a16:creationId xmlns:a16="http://schemas.microsoft.com/office/drawing/2014/main" id="{B07FC288-A910-47DA-80A7-1A8E6450AF2D}"/>
-              </a:ext>
-            </a:extLst>
-          </p:cNvPr>
-          <p:cNvSpPr>
-            <a:spLocks noGrp="1"/>
-          </p:cNvSpPr>
-          <p:nvPr>
-            <p:ph type="body" sz="quarter" idx="33"/>
-          </p:nvPr>
-        </p:nvSpPr>
-        <p:spPr>
-          <a:xfrm>
-            <a:off x="1260000" y="5892650"/>
-            <a:ext cx="8047339" cy="8329142"/>
-          </a:xfrm>
-        </p:spPr>
-        <p:txBody>
-          <a:bodyPr/>
-          <a:lstStyle/>
-          <a:p>
-            <a:pPr lvl="1" algn="just"/>
-            <a:r>
-              <a:rPr lang="de-DE" sz="2800" dirty="0"/>
-              <a:t>Abstract</a:t>
-            </a:r>
-          </a:p>
-          <a:p>
-            <a:pPr algn="just"/>
-            <a:r>
-              <a:rPr lang="de-DE" dirty="0"/>
-              <a:t>Lorem ipsum dolor sit amet, consetetur sadipscing elitr, sed diam nonumy eirmod tempor invidunt ut labore et dolore magna aliquyam erat, sed diam voluptua. At vero eos et accusam et justo duo dolores et ea rebum. Stet clita kasd gubergren, no sea takimata sanctus est Lorem ipsum dolor sit amet. Lorem ipsum dolor sit amet, consetetur sadipscing elitr, sed diam nonumy eirmod tempor invidunt ut labore et dolore magna aliquyam erat, sed diam voluptua. At vero eos et accusam et justo duo dolores et ea rebum. Stet clita kasd gubergren, no sea takimata sanctus est Lorem ipsum dolor sit amet.</a:t>
-            </a:r>
-          </a:p>
-          <a:p>
-            <a:pPr lvl="1" algn="just"/>
-            <a:r>
-              <a:rPr lang="de-DE" sz="2800" dirty="0"/>
-              <a:t>Introduction and Preliminary</a:t>
-            </a:r>
-          </a:p>
-          <a:p>
-            <a:pPr algn="just"/>
-            <a:r>
-              <a:rPr lang="de-DE" dirty="0"/>
-              <a:t>Lorem ipsum dolor sit amet, consetetur sadipscing elitr, sed diam nonumy eirmod tempor invidunt ut labore et dolore magna aliquyam erat, sed diam voluptua. At vero eos et accusam et justo duo dolores et ea rebum. Stet clita kasd gubergren, no sea takimata sanctus est Lorem ipsum dolor sit amet. Lorem ipsum dolor sit amet, consetetur sadipscing elitr, sed diam nonumy eirmod tempor invidunt ut labore et dolore magna aliquyam erat, sed diam voluptua. At vero eos et accusam et justo duo dolores et ea rebum. Stet clita kasd gubergren, no sea takimata sanctus est Lorem ipsum dolor sit amet.</a:t>
-            </a:r>
-          </a:p>
-          <a:p>
-            <a:pPr algn="just"/>
-            <a:endParaRPr lang="de-DE" dirty="0"/>
-          </a:p>
-        </p:txBody>
-      </p:sp>
+      <mc:AlternateContent xmlns:mc="http://schemas.openxmlformats.org/markup-compatibility/2006">
+        <mc:Choice xmlns:a14="http://schemas.microsoft.com/office/drawing/2010/main" Requires="a14">
+          <p:sp>
+            <p:nvSpPr>
+              <p:cNvPr id="5" name="Text Placeholder 4">
+                <a:extLst>
+                  <a:ext uri="{FF2B5EF4-FFF2-40B4-BE49-F238E27FC236}">
+                    <a16:creationId xmlns:a16="http://schemas.microsoft.com/office/drawing/2014/main" id="{B07FC288-A910-47DA-80A7-1A8E6450AF2D}"/>
+                  </a:ext>
+                </a:extLst>
+              </p:cNvPr>
+              <p:cNvSpPr>
+                <a:spLocks noGrp="1"/>
+              </p:cNvSpPr>
+              <p:nvPr>
+                <p:ph type="body" sz="quarter" idx="33"/>
+              </p:nvPr>
+            </p:nvSpPr>
+            <p:spPr>
+              <a:xfrm>
+                <a:off x="1260000" y="5509130"/>
+                <a:ext cx="8047339" cy="10440854"/>
+              </a:xfrm>
+            </p:spPr>
+            <p:txBody>
+              <a:bodyPr/>
+              <a:lstStyle/>
+              <a:p>
+                <a:pPr lvl="1" algn="just"/>
+                <a:r>
+                  <a:rPr lang="de-DE" sz="2800" dirty="0"/>
+                  <a:t>Abstract</a:t>
+                </a:r>
+              </a:p>
+              <a:p>
+                <a:pPr algn="just"/>
+                <a:r>
+                  <a:rPr lang="de-DE" dirty="0"/>
+                  <a:t>By learning from real-world data, machine learning is doomed to adopt social bias such as sexism. This paper analyzes gender bias in the context of the natrual language processing technique word embedding. The paper proposes a method to determine the underlying bias in a dataset and an algorithm to eliminate this bias while preserving the ability to cluster words. This is shown using a public dataset of news articles to reduce gender stereotypes in analogy tasks.</a:t>
+                </a:r>
+              </a:p>
+              <a:p>
+                <a:pPr lvl="1" algn="just"/>
+                <a:r>
+                  <a:rPr lang="de-DE" sz="2800" dirty="0"/>
+                  <a:t>Introduction and Preliminary</a:t>
+                </a:r>
+              </a:p>
+              <a:p>
+                <a:pPr algn="just"/>
+                <a:r>
+                  <a:rPr lang="de-DE" dirty="0"/>
+                  <a:t>A word embedding represents each word </a:t>
+                </a:r>
+                <a14:m>
+                  <m:oMath xmlns:m="http://schemas.openxmlformats.org/officeDocument/2006/math">
+                    <m:r>
+                      <a:rPr lang="de-DE" i="1" dirty="0" smtClean="0">
+                        <a:latin typeface="Cambria Math" panose="02040503050406030204" pitchFamily="18" charset="0"/>
+                      </a:rPr>
+                      <m:t>𝑤</m:t>
+                    </m:r>
+                  </m:oMath>
+                </a14:m>
+                <a:r>
+                  <a:rPr lang="de-DE" dirty="0"/>
+                  <a:t> as a d-dimensional </a:t>
+                </a:r>
+                <a14:m>
+                  <m:oMath xmlns:m="http://schemas.openxmlformats.org/officeDocument/2006/math">
+                    <m:r>
+                      <a:rPr lang="de-DE" i="1" dirty="0" smtClean="0">
+                        <a:latin typeface="Cambria Math" panose="02040503050406030204" pitchFamily="18" charset="0"/>
+                      </a:rPr>
+                      <m:t>𝑤𝑜𝑟𝑑</m:t>
+                    </m:r>
+                    <m:r>
+                      <a:rPr lang="de-DE" i="1" dirty="0" smtClean="0">
+                        <a:latin typeface="Cambria Math" panose="02040503050406030204" pitchFamily="18" charset="0"/>
+                      </a:rPr>
+                      <m:t> </m:t>
+                    </m:r>
+                    <m:r>
+                      <a:rPr lang="de-DE" i="1" dirty="0" smtClean="0">
+                        <a:latin typeface="Cambria Math" panose="02040503050406030204" pitchFamily="18" charset="0"/>
+                      </a:rPr>
+                      <m:t>𝑣𝑒𝑐𝑡𝑜𝑟</m:t>
+                    </m:r>
+                  </m:oMath>
+                </a14:m>
+                <a:r>
+                  <a:rPr lang="de-DE" dirty="0"/>
+                  <a:t> </a:t>
+                </a:r>
+                <a14:m>
+                  <m:oMath xmlns:m="http://schemas.openxmlformats.org/officeDocument/2006/math">
+                    <m:r>
+                      <a:rPr lang="de-DE" i="1">
+                        <a:latin typeface="Cambria Math" panose="02040503050406030204" pitchFamily="18" charset="0"/>
+                      </a:rPr>
+                      <m:t>𝑤</m:t>
+                    </m:r>
+                    <m:r>
+                      <a:rPr lang="de-DE" i="1">
+                        <a:latin typeface="Cambria Math" panose="02040503050406030204" pitchFamily="18" charset="0"/>
+                      </a:rPr>
+                      <m:t> ∈</m:t>
+                    </m:r>
+                    <m:sSup>
+                      <m:sSupPr>
+                        <m:ctrlPr>
+                          <a:rPr lang="de-DE" i="1">
+                            <a:latin typeface="Cambria Math" panose="02040503050406030204" pitchFamily="18" charset="0"/>
+                            <a:ea typeface="Cambria Math" panose="02040503050406030204" pitchFamily="18" charset="0"/>
+                          </a:rPr>
+                        </m:ctrlPr>
+                      </m:sSupPr>
+                      <m:e>
+                        <m:r>
+                          <a:rPr lang="de-DE" i="1">
+                            <a:latin typeface="Cambria Math" panose="02040503050406030204" pitchFamily="18" charset="0"/>
+                            <a:ea typeface="Cambria Math" panose="02040503050406030204" pitchFamily="18" charset="0"/>
+                          </a:rPr>
+                          <m:t>ℝ</m:t>
+                        </m:r>
+                      </m:e>
+                      <m:sup>
+                        <m:r>
+                          <a:rPr lang="de-DE" i="1">
+                            <a:latin typeface="Cambria Math" panose="02040503050406030204" pitchFamily="18" charset="0"/>
+                            <a:ea typeface="Cambria Math" panose="02040503050406030204" pitchFamily="18" charset="0"/>
+                          </a:rPr>
+                          <m:t>𝑑</m:t>
+                        </m:r>
+                      </m:sup>
+                    </m:sSup>
+                  </m:oMath>
+                </a14:m>
+                <a:r>
+                  <a:rPr lang="de-DE" dirty="0"/>
+                  <a:t> with two imortant properties: similar words have similar vectors, and the difference between two word vectors has been shown to represent the difference between the corresponding words. This arithmetic properties can be used to solve analogy tasks, like ‚man is to brother as woman is to X?‘. The difference between the word vectors of ‚man‘ and ‚woman‘ should be similar to ‚brother‘ and X (e.g. ‚sister‘):                 </a:t>
+                </a:r>
+                <a14:m>
+                  <m:oMath xmlns:m="http://schemas.openxmlformats.org/officeDocument/2006/math">
+                    <m:sSub>
+                      <m:sSubPr>
+                        <m:ctrlPr>
+                          <a:rPr lang="de-DE" i="1" smtClean="0">
+                            <a:latin typeface="Cambria Math" panose="02040503050406030204" pitchFamily="18" charset="0"/>
+                          </a:rPr>
+                        </m:ctrlPr>
+                      </m:sSubPr>
+                      <m:e>
+                        <m:r>
+                          <a:rPr lang="de-DE" b="0" i="1" smtClean="0">
+                            <a:latin typeface="Cambria Math" panose="02040503050406030204" pitchFamily="18" charset="0"/>
+                          </a:rPr>
+                          <m:t>𝑤</m:t>
+                        </m:r>
+                      </m:e>
+                      <m:sub>
+                        <m:r>
+                          <a:rPr lang="de-DE" b="0" i="1" smtClean="0">
+                            <a:latin typeface="Cambria Math" panose="02040503050406030204" pitchFamily="18" charset="0"/>
+                          </a:rPr>
+                          <m:t>𝑚𝑎𝑛</m:t>
+                        </m:r>
+                      </m:sub>
+                    </m:sSub>
+                    <m:r>
+                      <a:rPr lang="de-DE" b="0" i="1" smtClean="0">
+                        <a:latin typeface="Cambria Math" panose="02040503050406030204" pitchFamily="18" charset="0"/>
+                      </a:rPr>
+                      <m:t>−</m:t>
+                    </m:r>
+                    <m:sSub>
+                      <m:sSubPr>
+                        <m:ctrlPr>
+                          <a:rPr lang="de-DE" i="1">
+                            <a:latin typeface="Cambria Math" panose="02040503050406030204" pitchFamily="18" charset="0"/>
+                          </a:rPr>
+                        </m:ctrlPr>
+                      </m:sSubPr>
+                      <m:e>
+                        <m:r>
+                          <a:rPr lang="de-DE" i="1">
+                            <a:latin typeface="Cambria Math" panose="02040503050406030204" pitchFamily="18" charset="0"/>
+                          </a:rPr>
+                          <m:t>𝑤</m:t>
+                        </m:r>
+                      </m:e>
+                      <m:sub>
+                        <m:r>
+                          <a:rPr lang="de-DE" b="0" i="1" smtClean="0">
+                            <a:latin typeface="Cambria Math" panose="02040503050406030204" pitchFamily="18" charset="0"/>
+                          </a:rPr>
+                          <m:t>𝑤𝑜</m:t>
+                        </m:r>
+                        <m:r>
+                          <a:rPr lang="de-DE" i="1">
+                            <a:latin typeface="Cambria Math" panose="02040503050406030204" pitchFamily="18" charset="0"/>
+                          </a:rPr>
+                          <m:t>𝑚𝑎𝑛</m:t>
+                        </m:r>
+                        <m:r>
+                          <a:rPr lang="de-DE" b="0" i="1" smtClean="0">
+                            <a:latin typeface="Cambria Math" panose="02040503050406030204" pitchFamily="18" charset="0"/>
+                          </a:rPr>
+                          <m:t> </m:t>
+                        </m:r>
+                      </m:sub>
+                    </m:sSub>
+                    <m:r>
+                      <a:rPr lang="de-DE" i="1" smtClean="0">
+                        <a:latin typeface="Cambria Math" panose="02040503050406030204" pitchFamily="18" charset="0"/>
+                        <a:ea typeface="Cambria Math" panose="02040503050406030204" pitchFamily="18" charset="0"/>
+                      </a:rPr>
+                      <m:t>≈</m:t>
+                    </m:r>
+                    <m:sSub>
+                      <m:sSubPr>
+                        <m:ctrlPr>
+                          <a:rPr lang="de-DE" i="1">
+                            <a:latin typeface="Cambria Math" panose="02040503050406030204" pitchFamily="18" charset="0"/>
+                          </a:rPr>
+                        </m:ctrlPr>
+                      </m:sSubPr>
+                      <m:e>
+                        <m:r>
+                          <a:rPr lang="de-DE" i="1">
+                            <a:latin typeface="Cambria Math" panose="02040503050406030204" pitchFamily="18" charset="0"/>
+                          </a:rPr>
+                          <m:t>𝑤</m:t>
+                        </m:r>
+                      </m:e>
+                      <m:sub>
+                        <m:r>
+                          <a:rPr lang="de-DE" b="0" i="1" smtClean="0">
+                            <a:latin typeface="Cambria Math" panose="02040503050406030204" pitchFamily="18" charset="0"/>
+                          </a:rPr>
+                          <m:t>𝑏𝑟𝑜𝑡h𝑒𝑟</m:t>
+                        </m:r>
+                      </m:sub>
+                    </m:sSub>
+                    <m:r>
+                      <a:rPr lang="de-DE" b="0" i="1" smtClean="0">
+                        <a:latin typeface="Cambria Math" panose="02040503050406030204" pitchFamily="18" charset="0"/>
+                      </a:rPr>
+                      <m:t> −</m:t>
+                    </m:r>
+                    <m:sSub>
+                      <m:sSubPr>
+                        <m:ctrlPr>
+                          <a:rPr lang="de-DE" i="1">
+                            <a:latin typeface="Cambria Math" panose="02040503050406030204" pitchFamily="18" charset="0"/>
+                          </a:rPr>
+                        </m:ctrlPr>
+                      </m:sSubPr>
+                      <m:e>
+                        <m:r>
+                          <a:rPr lang="de-DE" i="1">
+                            <a:latin typeface="Cambria Math" panose="02040503050406030204" pitchFamily="18" charset="0"/>
+                          </a:rPr>
+                          <m:t>𝑤</m:t>
+                        </m:r>
+                      </m:e>
+                      <m:sub>
+                        <m:r>
+                          <a:rPr lang="de-DE" b="0" i="1" smtClean="0">
+                            <a:latin typeface="Cambria Math" panose="02040503050406030204" pitchFamily="18" charset="0"/>
+                          </a:rPr>
+                          <m:t>𝑠𝑖𝑠𝑡𝑒𝑟</m:t>
+                        </m:r>
+                      </m:sub>
+                    </m:sSub>
+                  </m:oMath>
+                </a14:m>
+                <a:r>
+                  <a:rPr lang="de-DE" dirty="0"/>
+                  <a:t>. </a:t>
+                </a:r>
+              </a:p>
+              <a:p>
+                <a:pPr algn="just"/>
+                <a:r>
+                  <a:rPr lang="de-DE" dirty="0"/>
+                  <a:t>To measure bias, a gender-neutral word like ‚nurse‘ is compared to two gender-specific words like ‚man‘ and ‚woman‘. If the distance between the neutral word and one specific word is smaller than between the other, this suggests bias. Figure 1 shows a sample of words ordered by their distance to ‚he‘ and ‚she‘ (x-Axis) and their bias (y-Axis). For this paper, the public word2vec embedding is used, trained on a set of Google News Articles, cosisting of 3 million english words.</a:t>
+                </a:r>
+              </a:p>
+            </p:txBody>
+          </p:sp>
+        </mc:Choice>
+        <mc:Fallback>
+          <p:sp>
+            <p:nvSpPr>
+              <p:cNvPr id="5" name="Text Placeholder 4">
+                <a:extLst>
+                  <a:ext uri="{FF2B5EF4-FFF2-40B4-BE49-F238E27FC236}">
+                    <a16:creationId xmlns:a16="http://schemas.microsoft.com/office/drawing/2014/main" id="{B07FC288-A910-47DA-80A7-1A8E6450AF2D}"/>
+                  </a:ext>
+                </a:extLst>
+              </p:cNvPr>
+              <p:cNvSpPr>
+                <a:spLocks noGrp="1" noRot="1" noChangeAspect="1" noMove="1" noResize="1" noEditPoints="1" noAdjustHandles="1" noChangeArrowheads="1" noChangeShapeType="1" noTextEdit="1"/>
+              </p:cNvSpPr>
+              <p:nvPr>
+                <p:ph type="body" sz="quarter" idx="33"/>
+              </p:nvPr>
+            </p:nvSpPr>
+            <p:spPr>
+              <a:xfrm>
+                <a:off x="1260000" y="5509130"/>
+                <a:ext cx="8047339" cy="10440854"/>
+              </a:xfrm>
+              <a:blipFill>
+                <a:blip r:embed="rId3"/>
+                <a:stretch>
+                  <a:fillRect l="-2727" t="-1752" r="-2121" b="-234"/>
+                </a:stretch>
+              </a:blipFill>
+            </p:spPr>
+            <p:txBody>
+              <a:bodyPr/>
+              <a:lstStyle/>
+              <a:p>
+                <a:r>
+                  <a:rPr lang="de-DE">
+                    <a:noFill/>
+                  </a:rPr>
+                  <a:t> </a:t>
+                </a:r>
+              </a:p>
+            </p:txBody>
+          </p:sp>
+        </mc:Fallback>
+      </mc:AlternateContent>
       <p:sp>
         <p:nvSpPr>
           <p:cNvPr id="11" name="Titel 9">
@@ -28003,8 +28279,8 @@
         </p:nvSpPr>
         <p:spPr>
           <a:xfrm>
-            <a:off x="20968660" y="5892650"/>
-            <a:ext cx="8047339" cy="14377814"/>
+            <a:off x="20968660" y="5509130"/>
+            <a:ext cx="8047339" cy="14761334"/>
           </a:xfrm>
           <a:prstGeom prst="rect">
             <a:avLst/>
@@ -28216,7 +28492,7 @@
           <p:nvPr/>
         </p:nvPicPr>
         <p:blipFill>
-          <a:blip r:embed="rId2">
+          <a:blip r:embed="rId4">
             <a:extLst>
               <a:ext uri="{28A0092B-C50C-407E-A947-70E740481C1C}">
                 <a14:useLocalDpi xmlns:a14="http://schemas.microsoft.com/office/drawing/2010/main" val="0"/>
@@ -28230,7 +28506,7 @@
         </p:blipFill>
         <p:spPr>
           <a:xfrm>
-            <a:off x="11114329" y="5796856"/>
+            <a:off x="11093592" y="5524038"/>
             <a:ext cx="8043314" cy="5764293"/>
           </a:xfrm>
           <a:prstGeom prst="rect">
@@ -28424,7 +28700,7 @@
           <p:nvPr/>
         </p:nvPicPr>
         <p:blipFill>
-          <a:blip r:embed="rId2">
+          <a:blip r:embed="rId4">
             <a:extLst>
               <a:ext uri="{28A0092B-C50C-407E-A947-70E740481C1C}">
                 <a14:useLocalDpi xmlns:a14="http://schemas.microsoft.com/office/drawing/2010/main" val="0"/>
